--- a/ppt 16-9/0692.为亲人的信仰.pptx
+++ b/ppt 16-9/0692.为亲人的信仰.pptx
@@ -5,7 +5,7 @@
     <p:sldMasterId id="2147483648" r:id="rId1"/>
   </p:sldMasterIdLst>
   <p:sldIdLst>
-    <p:sldId id="2505" r:id="rId2"/>
+    <p:sldId id="2506" r:id="rId2"/>
   </p:sldIdLst>
   <p:sldSz cx="12192000" cy="6858000"/>
   <p:notesSz cx="6858000" cy="9144000"/>
@@ -129,7 +129,7 @@
           <p:cNvPr id="2" name="标题 1">
             <a:extLst>
               <a:ext uri="{FF2B5EF4-FFF2-40B4-BE49-F238E27FC236}">
-                <a16:creationId xmlns:a16="http://schemas.microsoft.com/office/drawing/2014/main" id="{340DA5CE-372B-4E63-FC75-35C6ABB0471E}"/>
+                <a16:creationId xmlns:a16="http://schemas.microsoft.com/office/drawing/2014/main" id="{FEC725F1-DFEE-87B6-234C-B90594960FA6}"/>
               </a:ext>
             </a:extLst>
           </p:cNvPr>
@@ -166,7 +166,7 @@
           <p:cNvPr id="3" name="副标题 2">
             <a:extLst>
               <a:ext uri="{FF2B5EF4-FFF2-40B4-BE49-F238E27FC236}">
-                <a16:creationId xmlns:a16="http://schemas.microsoft.com/office/drawing/2014/main" id="{BB3010E3-26DF-4F7D-AB45-C19C7C79750E}"/>
+                <a16:creationId xmlns:a16="http://schemas.microsoft.com/office/drawing/2014/main" id="{8F9B7C62-814F-E5AE-DFC7-667ACF87201E}"/>
               </a:ext>
             </a:extLst>
           </p:cNvPr>
@@ -236,7 +236,7 @@
           <p:cNvPr id="4" name="日期占位符 3">
             <a:extLst>
               <a:ext uri="{FF2B5EF4-FFF2-40B4-BE49-F238E27FC236}">
-                <a16:creationId xmlns:a16="http://schemas.microsoft.com/office/drawing/2014/main" id="{B537BE92-7D42-B994-C324-A55EE075EEAC}"/>
+                <a16:creationId xmlns:a16="http://schemas.microsoft.com/office/drawing/2014/main" id="{76645A4E-A876-95DF-0AC6-FFB3760412EB}"/>
               </a:ext>
             </a:extLst>
           </p:cNvPr>
@@ -252,7 +252,7 @@
           <a:bodyPr/>
           <a:lstStyle/>
           <a:p>
-            <a:fld id="{5FF3E391-72F7-47B5-BE1F-A1C836AF2795}" type="datetimeFigureOut">
+            <a:fld id="{EB2C231E-0A53-4954-9AFC-790A7E683FAC}" type="datetimeFigureOut">
               <a:rPr lang="zh-CN" altLang="en-US" smtClean="0"/>
               <a:t>2024/3/10</a:t>
             </a:fld>
@@ -265,7 +265,7 @@
           <p:cNvPr id="5" name="页脚占位符 4">
             <a:extLst>
               <a:ext uri="{FF2B5EF4-FFF2-40B4-BE49-F238E27FC236}">
-                <a16:creationId xmlns:a16="http://schemas.microsoft.com/office/drawing/2014/main" id="{3BAFC5F5-3FDC-DA57-8C25-9CE56237FC2C}"/>
+                <a16:creationId xmlns:a16="http://schemas.microsoft.com/office/drawing/2014/main" id="{CB1F57DB-62F1-D4F0-D558-45985D2A5823}"/>
               </a:ext>
             </a:extLst>
           </p:cNvPr>
@@ -290,7 +290,7 @@
           <p:cNvPr id="6" name="灯片编号占位符 5">
             <a:extLst>
               <a:ext uri="{FF2B5EF4-FFF2-40B4-BE49-F238E27FC236}">
-                <a16:creationId xmlns:a16="http://schemas.microsoft.com/office/drawing/2014/main" id="{EC733812-7197-8738-0FB8-42D01F3B41D1}"/>
+                <a16:creationId xmlns:a16="http://schemas.microsoft.com/office/drawing/2014/main" id="{BE19176E-FC3C-C5AF-7DFA-B5B7AED6B0D5}"/>
               </a:ext>
             </a:extLst>
           </p:cNvPr>
@@ -306,7 +306,7 @@
           <a:bodyPr/>
           <a:lstStyle/>
           <a:p>
-            <a:fld id="{54FAB482-2BC4-4342-A506-FEF2ACC7E91F}" type="slidenum">
+            <a:fld id="{03CA6A6F-55D1-4101-B928-304B97F5CD6E}" type="slidenum">
               <a:rPr lang="zh-CN" altLang="en-US" smtClean="0"/>
               <a:t>‹#›</a:t>
             </a:fld>
@@ -317,7 +317,7 @@
     </p:spTree>
     <p:extLst>
       <p:ext uri="{BB962C8B-B14F-4D97-AF65-F5344CB8AC3E}">
-        <p14:creationId xmlns:p14="http://schemas.microsoft.com/office/powerpoint/2010/main" val="255609424"/>
+        <p14:creationId xmlns:p14="http://schemas.microsoft.com/office/powerpoint/2010/main" val="643420426"/>
       </p:ext>
     </p:extLst>
   </p:cSld>
@@ -349,7 +349,7 @@
           <p:cNvPr id="2" name="标题 1">
             <a:extLst>
               <a:ext uri="{FF2B5EF4-FFF2-40B4-BE49-F238E27FC236}">
-                <a16:creationId xmlns:a16="http://schemas.microsoft.com/office/drawing/2014/main" id="{4D983187-6AF0-19F1-36B4-CAE11B2FC41C}"/>
+                <a16:creationId xmlns:a16="http://schemas.microsoft.com/office/drawing/2014/main" id="{B0C487F1-77A9-3D2F-AB04-133585D77BBF}"/>
               </a:ext>
             </a:extLst>
           </p:cNvPr>
@@ -377,7 +377,7 @@
           <p:cNvPr id="3" name="竖排文字占位符 2">
             <a:extLst>
               <a:ext uri="{FF2B5EF4-FFF2-40B4-BE49-F238E27FC236}">
-                <a16:creationId xmlns:a16="http://schemas.microsoft.com/office/drawing/2014/main" id="{D5D23AB6-C936-E8C1-FACF-73669798A646}"/>
+                <a16:creationId xmlns:a16="http://schemas.microsoft.com/office/drawing/2014/main" id="{7E525D52-5C0B-3684-DDFE-9CD6C6EC5BC7}"/>
               </a:ext>
             </a:extLst>
           </p:cNvPr>
@@ -434,7 +434,7 @@
           <p:cNvPr id="4" name="日期占位符 3">
             <a:extLst>
               <a:ext uri="{FF2B5EF4-FFF2-40B4-BE49-F238E27FC236}">
-                <a16:creationId xmlns:a16="http://schemas.microsoft.com/office/drawing/2014/main" id="{8E38B112-5D87-1DB7-E4B3-76F19C912C6E}"/>
+                <a16:creationId xmlns:a16="http://schemas.microsoft.com/office/drawing/2014/main" id="{AC133501-D9DF-F236-E5C2-8ACDB4135746}"/>
               </a:ext>
             </a:extLst>
           </p:cNvPr>
@@ -450,7 +450,7 @@
           <a:bodyPr/>
           <a:lstStyle/>
           <a:p>
-            <a:fld id="{5FF3E391-72F7-47B5-BE1F-A1C836AF2795}" type="datetimeFigureOut">
+            <a:fld id="{EB2C231E-0A53-4954-9AFC-790A7E683FAC}" type="datetimeFigureOut">
               <a:rPr lang="zh-CN" altLang="en-US" smtClean="0"/>
               <a:t>2024/3/10</a:t>
             </a:fld>
@@ -463,7 +463,7 @@
           <p:cNvPr id="5" name="页脚占位符 4">
             <a:extLst>
               <a:ext uri="{FF2B5EF4-FFF2-40B4-BE49-F238E27FC236}">
-                <a16:creationId xmlns:a16="http://schemas.microsoft.com/office/drawing/2014/main" id="{2A979A60-449F-8C32-3D62-BA1C80C8586E}"/>
+                <a16:creationId xmlns:a16="http://schemas.microsoft.com/office/drawing/2014/main" id="{9AF48E3E-B10F-0457-AE3F-6F096EA9663C}"/>
               </a:ext>
             </a:extLst>
           </p:cNvPr>
@@ -488,7 +488,7 @@
           <p:cNvPr id="6" name="灯片编号占位符 5">
             <a:extLst>
               <a:ext uri="{FF2B5EF4-FFF2-40B4-BE49-F238E27FC236}">
-                <a16:creationId xmlns:a16="http://schemas.microsoft.com/office/drawing/2014/main" id="{0E481D04-D2D4-8DBF-ED43-0C4F8B5A652C}"/>
+                <a16:creationId xmlns:a16="http://schemas.microsoft.com/office/drawing/2014/main" id="{66073458-010F-0195-2F43-834182AD47E3}"/>
               </a:ext>
             </a:extLst>
           </p:cNvPr>
@@ -504,7 +504,7 @@
           <a:bodyPr/>
           <a:lstStyle/>
           <a:p>
-            <a:fld id="{54FAB482-2BC4-4342-A506-FEF2ACC7E91F}" type="slidenum">
+            <a:fld id="{03CA6A6F-55D1-4101-B928-304B97F5CD6E}" type="slidenum">
               <a:rPr lang="zh-CN" altLang="en-US" smtClean="0"/>
               <a:t>‹#›</a:t>
             </a:fld>
@@ -515,7 +515,7 @@
     </p:spTree>
     <p:extLst>
       <p:ext uri="{BB962C8B-B14F-4D97-AF65-F5344CB8AC3E}">
-        <p14:creationId xmlns:p14="http://schemas.microsoft.com/office/powerpoint/2010/main" val="2580722221"/>
+        <p14:creationId xmlns:p14="http://schemas.microsoft.com/office/powerpoint/2010/main" val="1286802286"/>
       </p:ext>
     </p:extLst>
   </p:cSld>
@@ -547,7 +547,7 @@
           <p:cNvPr id="2" name="竖排标题 1">
             <a:extLst>
               <a:ext uri="{FF2B5EF4-FFF2-40B4-BE49-F238E27FC236}">
-                <a16:creationId xmlns:a16="http://schemas.microsoft.com/office/drawing/2014/main" id="{70004061-697D-016F-8426-F81F412F8636}"/>
+                <a16:creationId xmlns:a16="http://schemas.microsoft.com/office/drawing/2014/main" id="{961E9AAA-4BB2-7DF3-6335-10ED8BF0923A}"/>
               </a:ext>
             </a:extLst>
           </p:cNvPr>
@@ -580,7 +580,7 @@
           <p:cNvPr id="3" name="竖排文字占位符 2">
             <a:extLst>
               <a:ext uri="{FF2B5EF4-FFF2-40B4-BE49-F238E27FC236}">
-                <a16:creationId xmlns:a16="http://schemas.microsoft.com/office/drawing/2014/main" id="{7FC2E670-C550-C96A-E0AF-84D6131CB919}"/>
+                <a16:creationId xmlns:a16="http://schemas.microsoft.com/office/drawing/2014/main" id="{59D8C3A3-D3DD-0A53-8D8A-981F462F57CF}"/>
               </a:ext>
             </a:extLst>
           </p:cNvPr>
@@ -642,7 +642,7 @@
           <p:cNvPr id="4" name="日期占位符 3">
             <a:extLst>
               <a:ext uri="{FF2B5EF4-FFF2-40B4-BE49-F238E27FC236}">
-                <a16:creationId xmlns:a16="http://schemas.microsoft.com/office/drawing/2014/main" id="{169FDFE4-4F4B-212B-9018-633BE4BA51DD}"/>
+                <a16:creationId xmlns:a16="http://schemas.microsoft.com/office/drawing/2014/main" id="{9254041C-8962-C715-41D8-7DF5DD690855}"/>
               </a:ext>
             </a:extLst>
           </p:cNvPr>
@@ -658,7 +658,7 @@
           <a:bodyPr/>
           <a:lstStyle/>
           <a:p>
-            <a:fld id="{5FF3E391-72F7-47B5-BE1F-A1C836AF2795}" type="datetimeFigureOut">
+            <a:fld id="{EB2C231E-0A53-4954-9AFC-790A7E683FAC}" type="datetimeFigureOut">
               <a:rPr lang="zh-CN" altLang="en-US" smtClean="0"/>
               <a:t>2024/3/10</a:t>
             </a:fld>
@@ -671,7 +671,7 @@
           <p:cNvPr id="5" name="页脚占位符 4">
             <a:extLst>
               <a:ext uri="{FF2B5EF4-FFF2-40B4-BE49-F238E27FC236}">
-                <a16:creationId xmlns:a16="http://schemas.microsoft.com/office/drawing/2014/main" id="{D061FD74-87EF-79BF-F566-AD0D0581C0CE}"/>
+                <a16:creationId xmlns:a16="http://schemas.microsoft.com/office/drawing/2014/main" id="{7EBE5187-37CD-DBEF-2B02-8019D94DA2F4}"/>
               </a:ext>
             </a:extLst>
           </p:cNvPr>
@@ -696,7 +696,7 @@
           <p:cNvPr id="6" name="灯片编号占位符 5">
             <a:extLst>
               <a:ext uri="{FF2B5EF4-FFF2-40B4-BE49-F238E27FC236}">
-                <a16:creationId xmlns:a16="http://schemas.microsoft.com/office/drawing/2014/main" id="{85DEB7DF-A9D0-775D-2459-1BDC71CE64ED}"/>
+                <a16:creationId xmlns:a16="http://schemas.microsoft.com/office/drawing/2014/main" id="{81221C77-0552-D200-EE6D-07AED77AA899}"/>
               </a:ext>
             </a:extLst>
           </p:cNvPr>
@@ -712,7 +712,7 @@
           <a:bodyPr/>
           <a:lstStyle/>
           <a:p>
-            <a:fld id="{54FAB482-2BC4-4342-A506-FEF2ACC7E91F}" type="slidenum">
+            <a:fld id="{03CA6A6F-55D1-4101-B928-304B97F5CD6E}" type="slidenum">
               <a:rPr lang="zh-CN" altLang="en-US" smtClean="0"/>
               <a:t>‹#›</a:t>
             </a:fld>
@@ -723,7 +723,7 @@
     </p:spTree>
     <p:extLst>
       <p:ext uri="{BB962C8B-B14F-4D97-AF65-F5344CB8AC3E}">
-        <p14:creationId xmlns:p14="http://schemas.microsoft.com/office/powerpoint/2010/main" val="3751578380"/>
+        <p14:creationId xmlns:p14="http://schemas.microsoft.com/office/powerpoint/2010/main" val="201123087"/>
       </p:ext>
     </p:extLst>
   </p:cSld>
@@ -755,7 +755,7 @@
           <p:cNvPr id="2" name="标题 1">
             <a:extLst>
               <a:ext uri="{FF2B5EF4-FFF2-40B4-BE49-F238E27FC236}">
-                <a16:creationId xmlns:a16="http://schemas.microsoft.com/office/drawing/2014/main" id="{99E7E90F-D01B-6263-1C6C-C8BFF4FBC2DF}"/>
+                <a16:creationId xmlns:a16="http://schemas.microsoft.com/office/drawing/2014/main" id="{86DD4420-1444-F28B-2101-41E3E27EFAE8}"/>
               </a:ext>
             </a:extLst>
           </p:cNvPr>
@@ -783,7 +783,7 @@
           <p:cNvPr id="3" name="内容占位符 2">
             <a:extLst>
               <a:ext uri="{FF2B5EF4-FFF2-40B4-BE49-F238E27FC236}">
-                <a16:creationId xmlns:a16="http://schemas.microsoft.com/office/drawing/2014/main" id="{416F2E20-DD72-2F51-68C6-375F0EE28B62}"/>
+                <a16:creationId xmlns:a16="http://schemas.microsoft.com/office/drawing/2014/main" id="{819DED51-7E2B-7F87-CDE1-C59333B21D96}"/>
               </a:ext>
             </a:extLst>
           </p:cNvPr>
@@ -840,7 +840,7 @@
           <p:cNvPr id="4" name="日期占位符 3">
             <a:extLst>
               <a:ext uri="{FF2B5EF4-FFF2-40B4-BE49-F238E27FC236}">
-                <a16:creationId xmlns:a16="http://schemas.microsoft.com/office/drawing/2014/main" id="{ADA0B08A-5849-3FAF-B76D-329B05A1D443}"/>
+                <a16:creationId xmlns:a16="http://schemas.microsoft.com/office/drawing/2014/main" id="{F69A0E76-C421-07B4-02BF-277DD1317CF4}"/>
               </a:ext>
             </a:extLst>
           </p:cNvPr>
@@ -856,7 +856,7 @@
           <a:bodyPr/>
           <a:lstStyle/>
           <a:p>
-            <a:fld id="{5FF3E391-72F7-47B5-BE1F-A1C836AF2795}" type="datetimeFigureOut">
+            <a:fld id="{EB2C231E-0A53-4954-9AFC-790A7E683FAC}" type="datetimeFigureOut">
               <a:rPr lang="zh-CN" altLang="en-US" smtClean="0"/>
               <a:t>2024/3/10</a:t>
             </a:fld>
@@ -869,7 +869,7 @@
           <p:cNvPr id="5" name="页脚占位符 4">
             <a:extLst>
               <a:ext uri="{FF2B5EF4-FFF2-40B4-BE49-F238E27FC236}">
-                <a16:creationId xmlns:a16="http://schemas.microsoft.com/office/drawing/2014/main" id="{4135F328-9137-47F5-955E-CF682B29EA74}"/>
+                <a16:creationId xmlns:a16="http://schemas.microsoft.com/office/drawing/2014/main" id="{08A3C817-30FA-CBB6-E27B-10AFB7039E72}"/>
               </a:ext>
             </a:extLst>
           </p:cNvPr>
@@ -894,7 +894,7 @@
           <p:cNvPr id="6" name="灯片编号占位符 5">
             <a:extLst>
               <a:ext uri="{FF2B5EF4-FFF2-40B4-BE49-F238E27FC236}">
-                <a16:creationId xmlns:a16="http://schemas.microsoft.com/office/drawing/2014/main" id="{5DBD1227-FE91-2EC0-EB2B-BF5ADE27E6FB}"/>
+                <a16:creationId xmlns:a16="http://schemas.microsoft.com/office/drawing/2014/main" id="{F60BC9A4-821C-09E4-908C-7EB627EB47C6}"/>
               </a:ext>
             </a:extLst>
           </p:cNvPr>
@@ -910,7 +910,7 @@
           <a:bodyPr/>
           <a:lstStyle/>
           <a:p>
-            <a:fld id="{54FAB482-2BC4-4342-A506-FEF2ACC7E91F}" type="slidenum">
+            <a:fld id="{03CA6A6F-55D1-4101-B928-304B97F5CD6E}" type="slidenum">
               <a:rPr lang="zh-CN" altLang="en-US" smtClean="0"/>
               <a:t>‹#›</a:t>
             </a:fld>
@@ -921,7 +921,7 @@
     </p:spTree>
     <p:extLst>
       <p:ext uri="{BB962C8B-B14F-4D97-AF65-F5344CB8AC3E}">
-        <p14:creationId xmlns:p14="http://schemas.microsoft.com/office/powerpoint/2010/main" val="3975075298"/>
+        <p14:creationId xmlns:p14="http://schemas.microsoft.com/office/powerpoint/2010/main" val="493448468"/>
       </p:ext>
     </p:extLst>
   </p:cSld>
@@ -953,7 +953,7 @@
           <p:cNvPr id="2" name="标题 1">
             <a:extLst>
               <a:ext uri="{FF2B5EF4-FFF2-40B4-BE49-F238E27FC236}">
-                <a16:creationId xmlns:a16="http://schemas.microsoft.com/office/drawing/2014/main" id="{2A4E43C1-B413-7ACC-F65C-A88F4AA1374C}"/>
+                <a16:creationId xmlns:a16="http://schemas.microsoft.com/office/drawing/2014/main" id="{A4AC356E-B4B3-0794-8AA3-4917816B9840}"/>
               </a:ext>
             </a:extLst>
           </p:cNvPr>
@@ -990,7 +990,7 @@
           <p:cNvPr id="3" name="文本占位符 2">
             <a:extLst>
               <a:ext uri="{FF2B5EF4-FFF2-40B4-BE49-F238E27FC236}">
-                <a16:creationId xmlns:a16="http://schemas.microsoft.com/office/drawing/2014/main" id="{84B44627-44EE-3B14-A371-C3666C889F25}"/>
+                <a16:creationId xmlns:a16="http://schemas.microsoft.com/office/drawing/2014/main" id="{DC8EF40C-E97C-57FC-6285-43E0B376F8DB}"/>
               </a:ext>
             </a:extLst>
           </p:cNvPr>
@@ -1115,7 +1115,7 @@
           <p:cNvPr id="4" name="日期占位符 3">
             <a:extLst>
               <a:ext uri="{FF2B5EF4-FFF2-40B4-BE49-F238E27FC236}">
-                <a16:creationId xmlns:a16="http://schemas.microsoft.com/office/drawing/2014/main" id="{08FDB006-4C60-2A40-DF49-4E0B949EA278}"/>
+                <a16:creationId xmlns:a16="http://schemas.microsoft.com/office/drawing/2014/main" id="{2137AA29-C987-1BA7-D7FA-F6B93C7618F8}"/>
               </a:ext>
             </a:extLst>
           </p:cNvPr>
@@ -1131,7 +1131,7 @@
           <a:bodyPr/>
           <a:lstStyle/>
           <a:p>
-            <a:fld id="{5FF3E391-72F7-47B5-BE1F-A1C836AF2795}" type="datetimeFigureOut">
+            <a:fld id="{EB2C231E-0A53-4954-9AFC-790A7E683FAC}" type="datetimeFigureOut">
               <a:rPr lang="zh-CN" altLang="en-US" smtClean="0"/>
               <a:t>2024/3/10</a:t>
             </a:fld>
@@ -1144,7 +1144,7 @@
           <p:cNvPr id="5" name="页脚占位符 4">
             <a:extLst>
               <a:ext uri="{FF2B5EF4-FFF2-40B4-BE49-F238E27FC236}">
-                <a16:creationId xmlns:a16="http://schemas.microsoft.com/office/drawing/2014/main" id="{93F734FD-B53E-DEDA-A697-93366F2C4176}"/>
+                <a16:creationId xmlns:a16="http://schemas.microsoft.com/office/drawing/2014/main" id="{4118C0BD-86A4-5B10-CE8E-5AA95A3DA1E9}"/>
               </a:ext>
             </a:extLst>
           </p:cNvPr>
@@ -1169,7 +1169,7 @@
           <p:cNvPr id="6" name="灯片编号占位符 5">
             <a:extLst>
               <a:ext uri="{FF2B5EF4-FFF2-40B4-BE49-F238E27FC236}">
-                <a16:creationId xmlns:a16="http://schemas.microsoft.com/office/drawing/2014/main" id="{01536E1F-E120-99BB-40FE-9DB941016DE6}"/>
+                <a16:creationId xmlns:a16="http://schemas.microsoft.com/office/drawing/2014/main" id="{B903E8B2-5C2C-B9ED-BF93-039633521B22}"/>
               </a:ext>
             </a:extLst>
           </p:cNvPr>
@@ -1185,7 +1185,7 @@
           <a:bodyPr/>
           <a:lstStyle/>
           <a:p>
-            <a:fld id="{54FAB482-2BC4-4342-A506-FEF2ACC7E91F}" type="slidenum">
+            <a:fld id="{03CA6A6F-55D1-4101-B928-304B97F5CD6E}" type="slidenum">
               <a:rPr lang="zh-CN" altLang="en-US" smtClean="0"/>
               <a:t>‹#›</a:t>
             </a:fld>
@@ -1196,7 +1196,7 @@
     </p:spTree>
     <p:extLst>
       <p:ext uri="{BB962C8B-B14F-4D97-AF65-F5344CB8AC3E}">
-        <p14:creationId xmlns:p14="http://schemas.microsoft.com/office/powerpoint/2010/main" val="304573431"/>
+        <p14:creationId xmlns:p14="http://schemas.microsoft.com/office/powerpoint/2010/main" val="1861341613"/>
       </p:ext>
     </p:extLst>
   </p:cSld>
@@ -1228,7 +1228,7 @@
           <p:cNvPr id="2" name="标题 1">
             <a:extLst>
               <a:ext uri="{FF2B5EF4-FFF2-40B4-BE49-F238E27FC236}">
-                <a16:creationId xmlns:a16="http://schemas.microsoft.com/office/drawing/2014/main" id="{F3B95185-B753-F4A1-EBDF-A02C45505953}"/>
+                <a16:creationId xmlns:a16="http://schemas.microsoft.com/office/drawing/2014/main" id="{32AA021C-244F-D309-F2B4-0C8E4040D089}"/>
               </a:ext>
             </a:extLst>
           </p:cNvPr>
@@ -1256,7 +1256,7 @@
           <p:cNvPr id="3" name="内容占位符 2">
             <a:extLst>
               <a:ext uri="{FF2B5EF4-FFF2-40B4-BE49-F238E27FC236}">
-                <a16:creationId xmlns:a16="http://schemas.microsoft.com/office/drawing/2014/main" id="{F87062A2-1192-BC38-AC7C-31F4A06D8A21}"/>
+                <a16:creationId xmlns:a16="http://schemas.microsoft.com/office/drawing/2014/main" id="{62B96075-096B-E707-9E7E-3B7AC2FD0876}"/>
               </a:ext>
             </a:extLst>
           </p:cNvPr>
@@ -1318,7 +1318,7 @@
           <p:cNvPr id="4" name="内容占位符 3">
             <a:extLst>
               <a:ext uri="{FF2B5EF4-FFF2-40B4-BE49-F238E27FC236}">
-                <a16:creationId xmlns:a16="http://schemas.microsoft.com/office/drawing/2014/main" id="{253D54A5-C1CE-EDBC-C3A1-CDEF7B4F7E52}"/>
+                <a16:creationId xmlns:a16="http://schemas.microsoft.com/office/drawing/2014/main" id="{9FA49681-6D8E-4A99-C66C-68E9D73F5E0E}"/>
               </a:ext>
             </a:extLst>
           </p:cNvPr>
@@ -1380,7 +1380,7 @@
           <p:cNvPr id="5" name="日期占位符 4">
             <a:extLst>
               <a:ext uri="{FF2B5EF4-FFF2-40B4-BE49-F238E27FC236}">
-                <a16:creationId xmlns:a16="http://schemas.microsoft.com/office/drawing/2014/main" id="{26FF1F7A-B8E5-1F07-4C10-91F34EE8569A}"/>
+                <a16:creationId xmlns:a16="http://schemas.microsoft.com/office/drawing/2014/main" id="{1AC1744C-0E58-DB71-75A6-6B2F86963554}"/>
               </a:ext>
             </a:extLst>
           </p:cNvPr>
@@ -1396,7 +1396,7 @@
           <a:bodyPr/>
           <a:lstStyle/>
           <a:p>
-            <a:fld id="{5FF3E391-72F7-47B5-BE1F-A1C836AF2795}" type="datetimeFigureOut">
+            <a:fld id="{EB2C231E-0A53-4954-9AFC-790A7E683FAC}" type="datetimeFigureOut">
               <a:rPr lang="zh-CN" altLang="en-US" smtClean="0"/>
               <a:t>2024/3/10</a:t>
             </a:fld>
@@ -1409,7 +1409,7 @@
           <p:cNvPr id="6" name="页脚占位符 5">
             <a:extLst>
               <a:ext uri="{FF2B5EF4-FFF2-40B4-BE49-F238E27FC236}">
-                <a16:creationId xmlns:a16="http://schemas.microsoft.com/office/drawing/2014/main" id="{D3EE812E-D068-B682-652F-B2EA8B23AF82}"/>
+                <a16:creationId xmlns:a16="http://schemas.microsoft.com/office/drawing/2014/main" id="{84D36CB2-6511-38DF-1E2A-CF67D3BD393E}"/>
               </a:ext>
             </a:extLst>
           </p:cNvPr>
@@ -1434,7 +1434,7 @@
           <p:cNvPr id="7" name="灯片编号占位符 6">
             <a:extLst>
               <a:ext uri="{FF2B5EF4-FFF2-40B4-BE49-F238E27FC236}">
-                <a16:creationId xmlns:a16="http://schemas.microsoft.com/office/drawing/2014/main" id="{465ECB9F-0022-0C9F-1E77-C6538429001D}"/>
+                <a16:creationId xmlns:a16="http://schemas.microsoft.com/office/drawing/2014/main" id="{85CB7373-4272-2090-C193-82F7F49433C4}"/>
               </a:ext>
             </a:extLst>
           </p:cNvPr>
@@ -1450,7 +1450,7 @@
           <a:bodyPr/>
           <a:lstStyle/>
           <a:p>
-            <a:fld id="{54FAB482-2BC4-4342-A506-FEF2ACC7E91F}" type="slidenum">
+            <a:fld id="{03CA6A6F-55D1-4101-B928-304B97F5CD6E}" type="slidenum">
               <a:rPr lang="zh-CN" altLang="en-US" smtClean="0"/>
               <a:t>‹#›</a:t>
             </a:fld>
@@ -1461,7 +1461,7 @@
     </p:spTree>
     <p:extLst>
       <p:ext uri="{BB962C8B-B14F-4D97-AF65-F5344CB8AC3E}">
-        <p14:creationId xmlns:p14="http://schemas.microsoft.com/office/powerpoint/2010/main" val="2091586224"/>
+        <p14:creationId xmlns:p14="http://schemas.microsoft.com/office/powerpoint/2010/main" val="1907101514"/>
       </p:ext>
     </p:extLst>
   </p:cSld>
@@ -1493,7 +1493,7 @@
           <p:cNvPr id="2" name="标题 1">
             <a:extLst>
               <a:ext uri="{FF2B5EF4-FFF2-40B4-BE49-F238E27FC236}">
-                <a16:creationId xmlns:a16="http://schemas.microsoft.com/office/drawing/2014/main" id="{FFEC0015-80EB-FE18-A579-A53BD0016660}"/>
+                <a16:creationId xmlns:a16="http://schemas.microsoft.com/office/drawing/2014/main" id="{D86F8A3A-8EE4-CA2E-8CC7-A50D0469A3D9}"/>
               </a:ext>
             </a:extLst>
           </p:cNvPr>
@@ -1526,7 +1526,7 @@
           <p:cNvPr id="3" name="文本占位符 2">
             <a:extLst>
               <a:ext uri="{FF2B5EF4-FFF2-40B4-BE49-F238E27FC236}">
-                <a16:creationId xmlns:a16="http://schemas.microsoft.com/office/drawing/2014/main" id="{945D658B-90AB-BD38-9DF1-133CEAD56661}"/>
+                <a16:creationId xmlns:a16="http://schemas.microsoft.com/office/drawing/2014/main" id="{539095C3-C5FC-FADE-E7AA-187FC6DBAF62}"/>
               </a:ext>
             </a:extLst>
           </p:cNvPr>
@@ -1597,7 +1597,7 @@
           <p:cNvPr id="4" name="内容占位符 3">
             <a:extLst>
               <a:ext uri="{FF2B5EF4-FFF2-40B4-BE49-F238E27FC236}">
-                <a16:creationId xmlns:a16="http://schemas.microsoft.com/office/drawing/2014/main" id="{FD54AABF-1DB1-AA0E-0518-B1EE3ECE8866}"/>
+                <a16:creationId xmlns:a16="http://schemas.microsoft.com/office/drawing/2014/main" id="{C3CFB4D4-9200-0125-549E-C10FAB452EAF}"/>
               </a:ext>
             </a:extLst>
           </p:cNvPr>
@@ -1659,7 +1659,7 @@
           <p:cNvPr id="5" name="文本占位符 4">
             <a:extLst>
               <a:ext uri="{FF2B5EF4-FFF2-40B4-BE49-F238E27FC236}">
-                <a16:creationId xmlns:a16="http://schemas.microsoft.com/office/drawing/2014/main" id="{B8BBD820-1BDE-8E40-5558-0F4E99A1630C}"/>
+                <a16:creationId xmlns:a16="http://schemas.microsoft.com/office/drawing/2014/main" id="{9DD45591-F99F-F9A7-EA12-A0CA543FC7D5}"/>
               </a:ext>
             </a:extLst>
           </p:cNvPr>
@@ -1730,7 +1730,7 @@
           <p:cNvPr id="6" name="内容占位符 5">
             <a:extLst>
               <a:ext uri="{FF2B5EF4-FFF2-40B4-BE49-F238E27FC236}">
-                <a16:creationId xmlns:a16="http://schemas.microsoft.com/office/drawing/2014/main" id="{B000BD6C-B083-992F-A13A-912878E716A7}"/>
+                <a16:creationId xmlns:a16="http://schemas.microsoft.com/office/drawing/2014/main" id="{ADB0952C-2299-D045-7F6D-687B97CF06EB}"/>
               </a:ext>
             </a:extLst>
           </p:cNvPr>
@@ -1792,7 +1792,7 @@
           <p:cNvPr id="7" name="日期占位符 6">
             <a:extLst>
               <a:ext uri="{FF2B5EF4-FFF2-40B4-BE49-F238E27FC236}">
-                <a16:creationId xmlns:a16="http://schemas.microsoft.com/office/drawing/2014/main" id="{82D30421-86A4-4219-7524-F98DEBA8BEA1}"/>
+                <a16:creationId xmlns:a16="http://schemas.microsoft.com/office/drawing/2014/main" id="{5081995F-66F0-14B7-D5E8-1C793F2DC40A}"/>
               </a:ext>
             </a:extLst>
           </p:cNvPr>
@@ -1808,7 +1808,7 @@
           <a:bodyPr/>
           <a:lstStyle/>
           <a:p>
-            <a:fld id="{5FF3E391-72F7-47B5-BE1F-A1C836AF2795}" type="datetimeFigureOut">
+            <a:fld id="{EB2C231E-0A53-4954-9AFC-790A7E683FAC}" type="datetimeFigureOut">
               <a:rPr lang="zh-CN" altLang="en-US" smtClean="0"/>
               <a:t>2024/3/10</a:t>
             </a:fld>
@@ -1821,7 +1821,7 @@
           <p:cNvPr id="8" name="页脚占位符 7">
             <a:extLst>
               <a:ext uri="{FF2B5EF4-FFF2-40B4-BE49-F238E27FC236}">
-                <a16:creationId xmlns:a16="http://schemas.microsoft.com/office/drawing/2014/main" id="{01D5A993-14AC-9CA2-097E-A6D257764121}"/>
+                <a16:creationId xmlns:a16="http://schemas.microsoft.com/office/drawing/2014/main" id="{BCC0D462-03C5-C4E7-CF21-892368EFC439}"/>
               </a:ext>
             </a:extLst>
           </p:cNvPr>
@@ -1846,7 +1846,7 @@
           <p:cNvPr id="9" name="灯片编号占位符 8">
             <a:extLst>
               <a:ext uri="{FF2B5EF4-FFF2-40B4-BE49-F238E27FC236}">
-                <a16:creationId xmlns:a16="http://schemas.microsoft.com/office/drawing/2014/main" id="{C783DD86-F263-F6FD-2D38-6C92C4B5B34B}"/>
+                <a16:creationId xmlns:a16="http://schemas.microsoft.com/office/drawing/2014/main" id="{1B968DC4-40B7-2557-2759-9326762D268A}"/>
               </a:ext>
             </a:extLst>
           </p:cNvPr>
@@ -1862,7 +1862,7 @@
           <a:bodyPr/>
           <a:lstStyle/>
           <a:p>
-            <a:fld id="{54FAB482-2BC4-4342-A506-FEF2ACC7E91F}" type="slidenum">
+            <a:fld id="{03CA6A6F-55D1-4101-B928-304B97F5CD6E}" type="slidenum">
               <a:rPr lang="zh-CN" altLang="en-US" smtClean="0"/>
               <a:t>‹#›</a:t>
             </a:fld>
@@ -1873,7 +1873,7 @@
     </p:spTree>
     <p:extLst>
       <p:ext uri="{BB962C8B-B14F-4D97-AF65-F5344CB8AC3E}">
-        <p14:creationId xmlns:p14="http://schemas.microsoft.com/office/powerpoint/2010/main" val="3299075361"/>
+        <p14:creationId xmlns:p14="http://schemas.microsoft.com/office/powerpoint/2010/main" val="1014634310"/>
       </p:ext>
     </p:extLst>
   </p:cSld>
@@ -1905,7 +1905,7 @@
           <p:cNvPr id="2" name="标题 1">
             <a:extLst>
               <a:ext uri="{FF2B5EF4-FFF2-40B4-BE49-F238E27FC236}">
-                <a16:creationId xmlns:a16="http://schemas.microsoft.com/office/drawing/2014/main" id="{2EA0668E-42E6-E036-AA35-C4CBF4E970E2}"/>
+                <a16:creationId xmlns:a16="http://schemas.microsoft.com/office/drawing/2014/main" id="{8CC59E35-38B9-F42C-548E-1EF2AAC4EF3D}"/>
               </a:ext>
             </a:extLst>
           </p:cNvPr>
@@ -1933,7 +1933,7 @@
           <p:cNvPr id="3" name="日期占位符 2">
             <a:extLst>
               <a:ext uri="{FF2B5EF4-FFF2-40B4-BE49-F238E27FC236}">
-                <a16:creationId xmlns:a16="http://schemas.microsoft.com/office/drawing/2014/main" id="{489CD853-87E2-8E54-A154-E4AEFE6249AB}"/>
+                <a16:creationId xmlns:a16="http://schemas.microsoft.com/office/drawing/2014/main" id="{4D82D10C-FA4A-6681-03AC-F6E0E4BB836A}"/>
               </a:ext>
             </a:extLst>
           </p:cNvPr>
@@ -1949,7 +1949,7 @@
           <a:bodyPr/>
           <a:lstStyle/>
           <a:p>
-            <a:fld id="{5FF3E391-72F7-47B5-BE1F-A1C836AF2795}" type="datetimeFigureOut">
+            <a:fld id="{EB2C231E-0A53-4954-9AFC-790A7E683FAC}" type="datetimeFigureOut">
               <a:rPr lang="zh-CN" altLang="en-US" smtClean="0"/>
               <a:t>2024/3/10</a:t>
             </a:fld>
@@ -1962,7 +1962,7 @@
           <p:cNvPr id="4" name="页脚占位符 3">
             <a:extLst>
               <a:ext uri="{FF2B5EF4-FFF2-40B4-BE49-F238E27FC236}">
-                <a16:creationId xmlns:a16="http://schemas.microsoft.com/office/drawing/2014/main" id="{49B009FB-B91D-BB56-664F-94A47FC74933}"/>
+                <a16:creationId xmlns:a16="http://schemas.microsoft.com/office/drawing/2014/main" id="{DEE73824-24AA-BB4D-2AE1-1438DF60C32B}"/>
               </a:ext>
             </a:extLst>
           </p:cNvPr>
@@ -1987,7 +1987,7 @@
           <p:cNvPr id="5" name="灯片编号占位符 4">
             <a:extLst>
               <a:ext uri="{FF2B5EF4-FFF2-40B4-BE49-F238E27FC236}">
-                <a16:creationId xmlns:a16="http://schemas.microsoft.com/office/drawing/2014/main" id="{0C98AAE2-FD50-64F9-719D-C9053416D3DD}"/>
+                <a16:creationId xmlns:a16="http://schemas.microsoft.com/office/drawing/2014/main" id="{F3652B81-BE33-3586-96BB-2A89499D8C48}"/>
               </a:ext>
             </a:extLst>
           </p:cNvPr>
@@ -2003,7 +2003,7 @@
           <a:bodyPr/>
           <a:lstStyle/>
           <a:p>
-            <a:fld id="{54FAB482-2BC4-4342-A506-FEF2ACC7E91F}" type="slidenum">
+            <a:fld id="{03CA6A6F-55D1-4101-B928-304B97F5CD6E}" type="slidenum">
               <a:rPr lang="zh-CN" altLang="en-US" smtClean="0"/>
               <a:t>‹#›</a:t>
             </a:fld>
@@ -2014,7 +2014,7 @@
     </p:spTree>
     <p:extLst>
       <p:ext uri="{BB962C8B-B14F-4D97-AF65-F5344CB8AC3E}">
-        <p14:creationId xmlns:p14="http://schemas.microsoft.com/office/powerpoint/2010/main" val="1922322403"/>
+        <p14:creationId xmlns:p14="http://schemas.microsoft.com/office/powerpoint/2010/main" val="266438978"/>
       </p:ext>
     </p:extLst>
   </p:cSld>
@@ -2046,7 +2046,7 @@
           <p:cNvPr id="2" name="日期占位符 1">
             <a:extLst>
               <a:ext uri="{FF2B5EF4-FFF2-40B4-BE49-F238E27FC236}">
-                <a16:creationId xmlns:a16="http://schemas.microsoft.com/office/drawing/2014/main" id="{40A0A3A9-B86A-BF57-8D24-7CB123599FE2}"/>
+                <a16:creationId xmlns:a16="http://schemas.microsoft.com/office/drawing/2014/main" id="{436016E3-2DEF-44F7-4012-485E63BFBD57}"/>
               </a:ext>
             </a:extLst>
           </p:cNvPr>
@@ -2062,7 +2062,7 @@
           <a:bodyPr/>
           <a:lstStyle/>
           <a:p>
-            <a:fld id="{5FF3E391-72F7-47B5-BE1F-A1C836AF2795}" type="datetimeFigureOut">
+            <a:fld id="{EB2C231E-0A53-4954-9AFC-790A7E683FAC}" type="datetimeFigureOut">
               <a:rPr lang="zh-CN" altLang="en-US" smtClean="0"/>
               <a:t>2024/3/10</a:t>
             </a:fld>
@@ -2075,7 +2075,7 @@
           <p:cNvPr id="3" name="页脚占位符 2">
             <a:extLst>
               <a:ext uri="{FF2B5EF4-FFF2-40B4-BE49-F238E27FC236}">
-                <a16:creationId xmlns:a16="http://schemas.microsoft.com/office/drawing/2014/main" id="{79B407FF-C051-1773-D709-64DF9310B290}"/>
+                <a16:creationId xmlns:a16="http://schemas.microsoft.com/office/drawing/2014/main" id="{2090FF5C-B5AA-601F-9BE5-40D3A579EFF5}"/>
               </a:ext>
             </a:extLst>
           </p:cNvPr>
@@ -2100,7 +2100,7 @@
           <p:cNvPr id="4" name="灯片编号占位符 3">
             <a:extLst>
               <a:ext uri="{FF2B5EF4-FFF2-40B4-BE49-F238E27FC236}">
-                <a16:creationId xmlns:a16="http://schemas.microsoft.com/office/drawing/2014/main" id="{9A31FA74-CF8B-B328-7E6D-2CF6EA2177D3}"/>
+                <a16:creationId xmlns:a16="http://schemas.microsoft.com/office/drawing/2014/main" id="{B53B4606-EC55-A8C1-696A-F03688D03B42}"/>
               </a:ext>
             </a:extLst>
           </p:cNvPr>
@@ -2116,7 +2116,7 @@
           <a:bodyPr/>
           <a:lstStyle/>
           <a:p>
-            <a:fld id="{54FAB482-2BC4-4342-A506-FEF2ACC7E91F}" type="slidenum">
+            <a:fld id="{03CA6A6F-55D1-4101-B928-304B97F5CD6E}" type="slidenum">
               <a:rPr lang="zh-CN" altLang="en-US" smtClean="0"/>
               <a:t>‹#›</a:t>
             </a:fld>
@@ -2127,7 +2127,7 @@
     </p:spTree>
     <p:extLst>
       <p:ext uri="{BB962C8B-B14F-4D97-AF65-F5344CB8AC3E}">
-        <p14:creationId xmlns:p14="http://schemas.microsoft.com/office/powerpoint/2010/main" val="2118209135"/>
+        <p14:creationId xmlns:p14="http://schemas.microsoft.com/office/powerpoint/2010/main" val="2757186186"/>
       </p:ext>
     </p:extLst>
   </p:cSld>
@@ -2159,7 +2159,7 @@
           <p:cNvPr id="2" name="标题 1">
             <a:extLst>
               <a:ext uri="{FF2B5EF4-FFF2-40B4-BE49-F238E27FC236}">
-                <a16:creationId xmlns:a16="http://schemas.microsoft.com/office/drawing/2014/main" id="{81137C73-B61A-C6A6-C6E9-7D7A9E90FE63}"/>
+                <a16:creationId xmlns:a16="http://schemas.microsoft.com/office/drawing/2014/main" id="{70CB212B-CE07-7BD2-31DC-E18887A3EC76}"/>
               </a:ext>
             </a:extLst>
           </p:cNvPr>
@@ -2196,7 +2196,7 @@
           <p:cNvPr id="3" name="内容占位符 2">
             <a:extLst>
               <a:ext uri="{FF2B5EF4-FFF2-40B4-BE49-F238E27FC236}">
-                <a16:creationId xmlns:a16="http://schemas.microsoft.com/office/drawing/2014/main" id="{65122056-D470-D1F8-CAB9-F884E768D127}"/>
+                <a16:creationId xmlns:a16="http://schemas.microsoft.com/office/drawing/2014/main" id="{98D69908-E670-FD20-1442-AD13F87A9812}"/>
               </a:ext>
             </a:extLst>
           </p:cNvPr>
@@ -2286,7 +2286,7 @@
           <p:cNvPr id="4" name="文本占位符 3">
             <a:extLst>
               <a:ext uri="{FF2B5EF4-FFF2-40B4-BE49-F238E27FC236}">
-                <a16:creationId xmlns:a16="http://schemas.microsoft.com/office/drawing/2014/main" id="{FBD53B51-8F35-BD1A-623A-022D94B5EE87}"/>
+                <a16:creationId xmlns:a16="http://schemas.microsoft.com/office/drawing/2014/main" id="{B8B73DDF-2766-F51D-5439-E46F86A52D92}"/>
               </a:ext>
             </a:extLst>
           </p:cNvPr>
@@ -2357,7 +2357,7 @@
           <p:cNvPr id="5" name="日期占位符 4">
             <a:extLst>
               <a:ext uri="{FF2B5EF4-FFF2-40B4-BE49-F238E27FC236}">
-                <a16:creationId xmlns:a16="http://schemas.microsoft.com/office/drawing/2014/main" id="{373F8313-C5AC-8E16-7247-FF253F8434C8}"/>
+                <a16:creationId xmlns:a16="http://schemas.microsoft.com/office/drawing/2014/main" id="{D6477D61-F461-DB84-1CA1-D388FB94B09D}"/>
               </a:ext>
             </a:extLst>
           </p:cNvPr>
@@ -2373,7 +2373,7 @@
           <a:bodyPr/>
           <a:lstStyle/>
           <a:p>
-            <a:fld id="{5FF3E391-72F7-47B5-BE1F-A1C836AF2795}" type="datetimeFigureOut">
+            <a:fld id="{EB2C231E-0A53-4954-9AFC-790A7E683FAC}" type="datetimeFigureOut">
               <a:rPr lang="zh-CN" altLang="en-US" smtClean="0"/>
               <a:t>2024/3/10</a:t>
             </a:fld>
@@ -2386,7 +2386,7 @@
           <p:cNvPr id="6" name="页脚占位符 5">
             <a:extLst>
               <a:ext uri="{FF2B5EF4-FFF2-40B4-BE49-F238E27FC236}">
-                <a16:creationId xmlns:a16="http://schemas.microsoft.com/office/drawing/2014/main" id="{05DF4DBA-A4FB-A8D4-26B7-08E7271466DF}"/>
+                <a16:creationId xmlns:a16="http://schemas.microsoft.com/office/drawing/2014/main" id="{1D797CB2-807B-1D1B-020F-2F79F20D9078}"/>
               </a:ext>
             </a:extLst>
           </p:cNvPr>
@@ -2411,7 +2411,7 @@
           <p:cNvPr id="7" name="灯片编号占位符 6">
             <a:extLst>
               <a:ext uri="{FF2B5EF4-FFF2-40B4-BE49-F238E27FC236}">
-                <a16:creationId xmlns:a16="http://schemas.microsoft.com/office/drawing/2014/main" id="{4C0AD2AA-CD57-679A-36FE-2151D3026A6C}"/>
+                <a16:creationId xmlns:a16="http://schemas.microsoft.com/office/drawing/2014/main" id="{E2EE1FD8-FD90-1018-5E16-9C3CEAADA507}"/>
               </a:ext>
             </a:extLst>
           </p:cNvPr>
@@ -2427,7 +2427,7 @@
           <a:bodyPr/>
           <a:lstStyle/>
           <a:p>
-            <a:fld id="{54FAB482-2BC4-4342-A506-FEF2ACC7E91F}" type="slidenum">
+            <a:fld id="{03CA6A6F-55D1-4101-B928-304B97F5CD6E}" type="slidenum">
               <a:rPr lang="zh-CN" altLang="en-US" smtClean="0"/>
               <a:t>‹#›</a:t>
             </a:fld>
@@ -2438,7 +2438,7 @@
     </p:spTree>
     <p:extLst>
       <p:ext uri="{BB962C8B-B14F-4D97-AF65-F5344CB8AC3E}">
-        <p14:creationId xmlns:p14="http://schemas.microsoft.com/office/powerpoint/2010/main" val="194397628"/>
+        <p14:creationId xmlns:p14="http://schemas.microsoft.com/office/powerpoint/2010/main" val="2317237475"/>
       </p:ext>
     </p:extLst>
   </p:cSld>
@@ -2470,7 +2470,7 @@
           <p:cNvPr id="2" name="标题 1">
             <a:extLst>
               <a:ext uri="{FF2B5EF4-FFF2-40B4-BE49-F238E27FC236}">
-                <a16:creationId xmlns:a16="http://schemas.microsoft.com/office/drawing/2014/main" id="{BF59871E-EF1F-09FE-49D5-5E84D70F51C1}"/>
+                <a16:creationId xmlns:a16="http://schemas.microsoft.com/office/drawing/2014/main" id="{4CAEF484-2CA9-AD19-0CC1-43FC865BFB98}"/>
               </a:ext>
             </a:extLst>
           </p:cNvPr>
@@ -2507,7 +2507,7 @@
           <p:cNvPr id="3" name="图片占位符 2">
             <a:extLst>
               <a:ext uri="{FF2B5EF4-FFF2-40B4-BE49-F238E27FC236}">
-                <a16:creationId xmlns:a16="http://schemas.microsoft.com/office/drawing/2014/main" id="{612E56A9-5AAE-79A3-7486-5555AAD8DABD}"/>
+                <a16:creationId xmlns:a16="http://schemas.microsoft.com/office/drawing/2014/main" id="{18CF54FF-03B2-ED42-7352-53355C3893F9}"/>
               </a:ext>
             </a:extLst>
           </p:cNvPr>
@@ -2574,7 +2574,7 @@
           <p:cNvPr id="4" name="文本占位符 3">
             <a:extLst>
               <a:ext uri="{FF2B5EF4-FFF2-40B4-BE49-F238E27FC236}">
-                <a16:creationId xmlns:a16="http://schemas.microsoft.com/office/drawing/2014/main" id="{AFCCFB00-3F00-A179-DFD3-A93F45D50995}"/>
+                <a16:creationId xmlns:a16="http://schemas.microsoft.com/office/drawing/2014/main" id="{2F3AE681-E4AF-4BA5-FC9D-0255457EC5C3}"/>
               </a:ext>
             </a:extLst>
           </p:cNvPr>
@@ -2645,7 +2645,7 @@
           <p:cNvPr id="5" name="日期占位符 4">
             <a:extLst>
               <a:ext uri="{FF2B5EF4-FFF2-40B4-BE49-F238E27FC236}">
-                <a16:creationId xmlns:a16="http://schemas.microsoft.com/office/drawing/2014/main" id="{B15B22DD-9853-4F77-B46B-469103A674D2}"/>
+                <a16:creationId xmlns:a16="http://schemas.microsoft.com/office/drawing/2014/main" id="{2B981F56-1FD9-9342-777D-1AA030E0AAFE}"/>
               </a:ext>
             </a:extLst>
           </p:cNvPr>
@@ -2661,7 +2661,7 @@
           <a:bodyPr/>
           <a:lstStyle/>
           <a:p>
-            <a:fld id="{5FF3E391-72F7-47B5-BE1F-A1C836AF2795}" type="datetimeFigureOut">
+            <a:fld id="{EB2C231E-0A53-4954-9AFC-790A7E683FAC}" type="datetimeFigureOut">
               <a:rPr lang="zh-CN" altLang="en-US" smtClean="0"/>
               <a:t>2024/3/10</a:t>
             </a:fld>
@@ -2674,7 +2674,7 @@
           <p:cNvPr id="6" name="页脚占位符 5">
             <a:extLst>
               <a:ext uri="{FF2B5EF4-FFF2-40B4-BE49-F238E27FC236}">
-                <a16:creationId xmlns:a16="http://schemas.microsoft.com/office/drawing/2014/main" id="{336B65D4-AB8A-0779-8099-0033C1B38219}"/>
+                <a16:creationId xmlns:a16="http://schemas.microsoft.com/office/drawing/2014/main" id="{54E90E92-969B-4BD9-4B72-21C8559022CB}"/>
               </a:ext>
             </a:extLst>
           </p:cNvPr>
@@ -2699,7 +2699,7 @@
           <p:cNvPr id="7" name="灯片编号占位符 6">
             <a:extLst>
               <a:ext uri="{FF2B5EF4-FFF2-40B4-BE49-F238E27FC236}">
-                <a16:creationId xmlns:a16="http://schemas.microsoft.com/office/drawing/2014/main" id="{DA8BAB75-69B4-896C-4C3E-EF0A139191CE}"/>
+                <a16:creationId xmlns:a16="http://schemas.microsoft.com/office/drawing/2014/main" id="{6BFBAC99-2D42-3295-90A7-F40AB49B45F3}"/>
               </a:ext>
             </a:extLst>
           </p:cNvPr>
@@ -2715,7 +2715,7 @@
           <a:bodyPr/>
           <a:lstStyle/>
           <a:p>
-            <a:fld id="{54FAB482-2BC4-4342-A506-FEF2ACC7E91F}" type="slidenum">
+            <a:fld id="{03CA6A6F-55D1-4101-B928-304B97F5CD6E}" type="slidenum">
               <a:rPr lang="zh-CN" altLang="en-US" smtClean="0"/>
               <a:t>‹#›</a:t>
             </a:fld>
@@ -2726,7 +2726,7 @@
     </p:spTree>
     <p:extLst>
       <p:ext uri="{BB962C8B-B14F-4D97-AF65-F5344CB8AC3E}">
-        <p14:creationId xmlns:p14="http://schemas.microsoft.com/office/powerpoint/2010/main" val="1119660917"/>
+        <p14:creationId xmlns:p14="http://schemas.microsoft.com/office/powerpoint/2010/main" val="1725859739"/>
       </p:ext>
     </p:extLst>
   </p:cSld>
@@ -2763,7 +2763,7 @@
           <p:cNvPr id="2" name="标题占位符 1">
             <a:extLst>
               <a:ext uri="{FF2B5EF4-FFF2-40B4-BE49-F238E27FC236}">
-                <a16:creationId xmlns:a16="http://schemas.microsoft.com/office/drawing/2014/main" id="{E685BD93-DF48-1536-5479-C366ADCF784D}"/>
+                <a16:creationId xmlns:a16="http://schemas.microsoft.com/office/drawing/2014/main" id="{F23C3D42-ED7C-6154-C393-D9DE1D4F0026}"/>
               </a:ext>
             </a:extLst>
           </p:cNvPr>
@@ -2801,7 +2801,7 @@
           <p:cNvPr id="3" name="文本占位符 2">
             <a:extLst>
               <a:ext uri="{FF2B5EF4-FFF2-40B4-BE49-F238E27FC236}">
-                <a16:creationId xmlns:a16="http://schemas.microsoft.com/office/drawing/2014/main" id="{05C02792-61B7-3B13-329B-80051F464EED}"/>
+                <a16:creationId xmlns:a16="http://schemas.microsoft.com/office/drawing/2014/main" id="{04EE783E-BB6B-CFA6-5FE0-4968F345A771}"/>
               </a:ext>
             </a:extLst>
           </p:cNvPr>
@@ -2868,7 +2868,7 @@
           <p:cNvPr id="4" name="日期占位符 3">
             <a:extLst>
               <a:ext uri="{FF2B5EF4-FFF2-40B4-BE49-F238E27FC236}">
-                <a16:creationId xmlns:a16="http://schemas.microsoft.com/office/drawing/2014/main" id="{D3FA4E62-1D89-0F80-7E6A-569197925C68}"/>
+                <a16:creationId xmlns:a16="http://schemas.microsoft.com/office/drawing/2014/main" id="{975364CC-9885-183B-FDB7-3F16406B055C}"/>
               </a:ext>
             </a:extLst>
           </p:cNvPr>
@@ -2902,7 +2902,7 @@
             </a:lvl1pPr>
           </a:lstStyle>
           <a:p>
-            <a:fld id="{5FF3E391-72F7-47B5-BE1F-A1C836AF2795}" type="datetimeFigureOut">
+            <a:fld id="{EB2C231E-0A53-4954-9AFC-790A7E683FAC}" type="datetimeFigureOut">
               <a:rPr lang="zh-CN" altLang="en-US" smtClean="0"/>
               <a:t>2024/3/10</a:t>
             </a:fld>
@@ -2915,7 +2915,7 @@
           <p:cNvPr id="5" name="页脚占位符 4">
             <a:extLst>
               <a:ext uri="{FF2B5EF4-FFF2-40B4-BE49-F238E27FC236}">
-                <a16:creationId xmlns:a16="http://schemas.microsoft.com/office/drawing/2014/main" id="{9D48A9C9-725D-D1D6-D97D-AEC908587126}"/>
+                <a16:creationId xmlns:a16="http://schemas.microsoft.com/office/drawing/2014/main" id="{00C385D8-D48B-8B40-8547-BBE2CC6F64FA}"/>
               </a:ext>
             </a:extLst>
           </p:cNvPr>
@@ -2958,7 +2958,7 @@
           <p:cNvPr id="6" name="灯片编号占位符 5">
             <a:extLst>
               <a:ext uri="{FF2B5EF4-FFF2-40B4-BE49-F238E27FC236}">
-                <a16:creationId xmlns:a16="http://schemas.microsoft.com/office/drawing/2014/main" id="{728CC7E8-8D99-0C96-8FEB-03610C011E62}"/>
+                <a16:creationId xmlns:a16="http://schemas.microsoft.com/office/drawing/2014/main" id="{DE55FFC9-5628-9327-E214-C1B21B82885C}"/>
               </a:ext>
             </a:extLst>
           </p:cNvPr>
@@ -2992,7 +2992,7 @@
             </a:lvl1pPr>
           </a:lstStyle>
           <a:p>
-            <a:fld id="{54FAB482-2BC4-4342-A506-FEF2ACC7E91F}" type="slidenum">
+            <a:fld id="{03CA6A6F-55D1-4101-B928-304B97F5CD6E}" type="slidenum">
               <a:rPr lang="zh-CN" altLang="en-US" smtClean="0"/>
               <a:t>‹#›</a:t>
             </a:fld>
@@ -3003,7 +3003,7 @@
     </p:spTree>
     <p:extLst>
       <p:ext uri="{BB962C8B-B14F-4D97-AF65-F5344CB8AC3E}">
-        <p14:creationId xmlns:p14="http://schemas.microsoft.com/office/powerpoint/2010/main" val="2073073841"/>
+        <p14:creationId xmlns:p14="http://schemas.microsoft.com/office/powerpoint/2010/main" val="4049939480"/>
       </p:ext>
     </p:extLst>
   </p:cSld>
@@ -3323,7 +3323,7 @@
       </p:grpSpPr>
       <p:pic>
         <p:nvPicPr>
-          <p:cNvPr id="708610" name="Picture 2" descr="691"/>
+          <p:cNvPr id="709634" name="Picture 2" descr="692"/>
           <p:cNvPicPr>
             <a:picLocks noChangeAspect="1" noChangeArrowheads="1"/>
           </p:cNvPicPr>
